--- a/slides/IDP_WoT-CI.pptx
+++ b/slides/IDP_WoT-CI.pptx
@@ -20,7 +20,6 @@
     <p:sldId id="265" r:id="rId15"/>
     <p:sldId id="266" r:id="rId16"/>
     <p:sldId id="267" r:id="rId17"/>
-    <p:sldId id="268" r:id="rId18"/>
   </p:sldIdLst>
   <p:sldSz cy="5143500" cx="9144000"/>
   <p:notesSz cx="6858000" cy="9144000"/>
@@ -1014,7 +1013,7 @@
       </p:grpSpPr>
       <p:sp>
         <p:nvSpPr>
-          <p:cNvPr id="151" name="Google Shape;151;g76012dfa25_0_223:notes"/>
+          <p:cNvPr id="151" name="Google Shape;151;g76012dfa25_0_246:notes"/>
           <p:cNvSpPr txBox="1"/>
           <p:nvPr>
             <p:ph idx="1" type="body"/>
@@ -1053,106 +1052,7 @@
       </p:sp>
       <p:sp>
         <p:nvSpPr>
-          <p:cNvPr id="152" name="Google Shape;152;g76012dfa25_0_223:notes"/>
-          <p:cNvSpPr/>
-          <p:nvPr>
-            <p:ph idx="2" type="sldImg"/>
-          </p:nvPr>
-        </p:nvSpPr>
-        <p:spPr>
-          <a:xfrm>
-            <a:off x="1893254" y="685934"/>
-            <a:ext cx="3071400" cy="3429600"/>
-          </a:xfrm>
-          <a:custGeom>
-            <a:rect b="b" l="l" r="r" t="t"/>
-            <a:pathLst>
-              <a:path extrusionOk="0" h="120000" w="120000">
-                <a:moveTo>
-                  <a:pt x="0" y="0"/>
-                </a:moveTo>
-                <a:lnTo>
-                  <a:pt x="120000" y="0"/>
-                </a:lnTo>
-                <a:lnTo>
-                  <a:pt x="120000" y="120000"/>
-                </a:lnTo>
-                <a:lnTo>
-                  <a:pt x="0" y="120000"/>
-                </a:lnTo>
-                <a:close/>
-              </a:path>
-            </a:pathLst>
-          </a:custGeom>
-        </p:spPr>
-      </p:sp>
-    </p:spTree>
-  </p:cSld>
-  <p:clrMapOvr>
-    <a:masterClrMapping/>
-  </p:clrMapOvr>
-</p:notes>
-</file>
-
-<file path=ppt/notesSlides/notesSlide13.xml><?xml version="1.0" encoding="utf-8"?>
-<p:notes xmlns:a="http://schemas.openxmlformats.org/drawingml/2006/main" xmlns:r="http://schemas.openxmlformats.org/officeDocument/2006/relationships" xmlns:mc="http://schemas.openxmlformats.org/markup-compatibility/2006" xmlns:mv="urn:schemas-microsoft-com:mac:vml" xmlns:p="http://schemas.openxmlformats.org/presentationml/2006/main" xmlns:c="http://schemas.openxmlformats.org/drawingml/2006/chart" xmlns:dgm="http://schemas.openxmlformats.org/drawingml/2006/diagram" xmlns:o="urn:schemas-microsoft-com:office:office" xmlns:v="urn:schemas-microsoft-com:vml" xmlns:pvml="urn:schemas-microsoft-com:office:powerpoint" xmlns:com="http://schemas.openxmlformats.org/drawingml/2006/compatibility" xmlns:p14="http://schemas.microsoft.com/office/powerpoint/2010/main" xmlns:p15="http://schemas.microsoft.com/office/powerpoint/2012/main" showMasterPhAnim="0" showMasterSp="0">
-  <p:cSld>
-    <p:spTree>
-      <p:nvGrpSpPr>
-        <p:cNvPr id="158" name="Shape 158"/>
-        <p:cNvGrpSpPr/>
-        <p:nvPr/>
-      </p:nvGrpSpPr>
-      <p:grpSpPr>
-        <a:xfrm>
-          <a:off x="0" y="0"/>
-          <a:ext cx="0" cy="0"/>
-          <a:chOff x="0" y="0"/>
-          <a:chExt cx="0" cy="0"/>
-        </a:xfrm>
-      </p:grpSpPr>
-      <p:sp>
-        <p:nvSpPr>
-          <p:cNvPr id="159" name="Google Shape;159;g76012dfa25_0_246:notes"/>
-          <p:cNvSpPr txBox="1"/>
-          <p:nvPr>
-            <p:ph idx="1" type="body"/>
-          </p:nvPr>
-        </p:nvSpPr>
-        <p:spPr>
-          <a:xfrm>
-            <a:off x="685810" y="4343259"/>
-            <a:ext cx="5486400" cy="4114500"/>
-          </a:xfrm>
-          <a:prstGeom prst="rect">
-            <a:avLst/>
-          </a:prstGeom>
-        </p:spPr>
-        <p:txBody>
-          <a:bodyPr anchorCtr="0" anchor="t" bIns="91425" lIns="91425" spcFirstLastPara="1" rIns="91425" wrap="square" tIns="91425">
-            <a:noAutofit/>
-          </a:bodyPr>
-          <a:lstStyle/>
-          <a:p>
-            <a:pPr indent="0" lvl="0" marL="0" rtl="0" algn="l">
-              <a:spcBef>
-                <a:spcPts val="0"/>
-              </a:spcBef>
-              <a:spcAft>
-                <a:spcPts val="0"/>
-              </a:spcAft>
-              <a:buNone/>
-            </a:pPr>
-            <a:r>
-              <a:t/>
-            </a:r>
-            <a:endParaRPr/>
-          </a:p>
-        </p:txBody>
-      </p:sp>
-      <p:sp>
-        <p:nvSpPr>
-          <p:cNvPr id="160" name="Google Shape;160;g76012dfa25_0_246:notes"/>
+          <p:cNvPr id="152" name="Google Shape;152;g76012dfa25_0_246:notes"/>
           <p:cNvSpPr/>
           <p:nvPr>
             <p:ph idx="2" type="sldImg"/>
@@ -8055,14 +7955,6 @@
               <a:buNone/>
             </a:pPr>
             <a:r>
-              <a:rPr lang="en" sz="1100">
-                <a:solidFill>
-                  <a:schemeClr val="dk1"/>
-                </a:solidFill>
-              </a:rPr>
-              <a:t>Chair of </a:t>
-            </a:r>
-            <a:r>
               <a:rPr lang="en" sz="1050">
                 <a:solidFill>
                   <a:srgbClr val="333333"/>
@@ -8237,14 +8129,6 @@
               <a:buNone/>
             </a:pPr>
             <a:r>
-              <a:rPr lang="en" sz="1100">
-                <a:solidFill>
-                  <a:schemeClr val="dk1"/>
-                </a:solidFill>
-              </a:rPr>
-              <a:t>Chair of </a:t>
-            </a:r>
-            <a:r>
               <a:rPr lang="en" sz="1050">
                 <a:solidFill>
                   <a:srgbClr val="333333"/>
@@ -8392,7 +8276,7 @@
             </a:pPr>
             <a:r>
               <a:rPr lang="en"/>
-              <a:t>Markdown</a:t>
+              <a:t>Learnt to contribute to an existing git project to which I don’t have a push access</a:t>
             </a:r>
             <a:endParaRPr/>
           </a:p>
@@ -8412,7 +8296,7 @@
             </a:pPr>
             <a:r>
               <a:rPr lang="en"/>
-              <a:t>Fork and Pull request in Git</a:t>
+              <a:t>Node.js &amp; JSON schema</a:t>
             </a:r>
             <a:endParaRPr/>
           </a:p>
@@ -8432,7 +8316,7 @@
             </a:pPr>
             <a:r>
               <a:rPr lang="en"/>
-              <a:t>Node.js</a:t>
+              <a:t>W3C Web of Things: Thing Description standard</a:t>
             </a:r>
             <a:endParaRPr/>
           </a:p>
@@ -8452,87 +8336,15 @@
             </a:pPr>
             <a:r>
               <a:rPr lang="en"/>
-              <a:t>JSON</a:t>
+              <a:t>Postman API </a:t>
             </a:r>
-            <a:endParaRPr/>
-          </a:p>
-          <a:p>
-            <a:pPr indent="-317500" lvl="0" marL="457200" rtl="0" algn="l">
-              <a:lnSpc>
-                <a:spcPct val="115000"/>
-              </a:lnSpc>
-              <a:spcBef>
-                <a:spcPts val="0"/>
-              </a:spcBef>
-              <a:spcAft>
-                <a:spcPts val="0"/>
-              </a:spcAft>
-              <a:buSzPts val="1400"/>
-              <a:buChar char="●"/>
-            </a:pPr>
             <a:r>
               <a:rPr lang="en"/>
-              <a:t>World Wide Web Consortium Web of Things: Thing Description</a:t>
+              <a:t>development</a:t>
             </a:r>
-            <a:endParaRPr/>
-          </a:p>
-          <a:p>
-            <a:pPr indent="-317500" lvl="0" marL="457200" rtl="0" algn="l">
-              <a:lnSpc>
-                <a:spcPct val="115000"/>
-              </a:lnSpc>
-              <a:spcBef>
-                <a:spcPts val="0"/>
-              </a:spcBef>
-              <a:spcAft>
-                <a:spcPts val="0"/>
-              </a:spcAft>
-              <a:buSzPts val="1400"/>
-              <a:buChar char="●"/>
-            </a:pPr>
             <a:r>
               <a:rPr lang="en"/>
-              <a:t>Postman</a:t>
-            </a:r>
-            <a:endParaRPr/>
-          </a:p>
-          <a:p>
-            <a:pPr indent="-317500" lvl="0" marL="457200" rtl="0" algn="l">
-              <a:lnSpc>
-                <a:spcPct val="115000"/>
-              </a:lnSpc>
-              <a:spcBef>
-                <a:spcPts val="0"/>
-              </a:spcBef>
-              <a:spcAft>
-                <a:spcPts val="0"/>
-              </a:spcAft>
-              <a:buSzPts val="1400"/>
-              <a:buChar char="●"/>
-            </a:pPr>
-            <a:r>
-              <a:rPr lang="en"/>
-              <a:t>Not to develop a application in 64 bit OS when you know you are going to deploy it in Raspberry Pi (Until 2019)</a:t>
-            </a:r>
-            <a:endParaRPr/>
-          </a:p>
-          <a:p>
-            <a:pPr indent="-317500" lvl="0" marL="457200" rtl="0" algn="l">
-              <a:lnSpc>
-                <a:spcPct val="115000"/>
-              </a:lnSpc>
-              <a:spcBef>
-                <a:spcPts val="0"/>
-              </a:spcBef>
-              <a:spcAft>
-                <a:spcPts val="0"/>
-              </a:spcAft>
-              <a:buSzPts val="1400"/>
-              <a:buChar char="●"/>
-            </a:pPr>
-            <a:r>
-              <a:rPr lang="en"/>
-              <a:t>Cron job can be used for starting applications on restart.</a:t>
+              <a:t> environment</a:t>
             </a:r>
             <a:endParaRPr/>
           </a:p>
@@ -8572,7 +8384,7 @@
             </a:pPr>
             <a:r>
               <a:rPr lang="en"/>
-              <a:t>How to write a paper? (Yet to learn a lot, would be happy to do peer review)</a:t>
+              <a:t>When &amp; How to write a paper? (Yet to learn a lot, would be happy to do peer review)</a:t>
             </a:r>
             <a:endParaRPr/>
           </a:p>
@@ -8613,6 +8425,30 @@
             <a:r>
               <a:rPr lang="en"/>
               <a:t>LaTeX</a:t>
+            </a:r>
+            <a:endParaRPr/>
+          </a:p>
+          <a:p>
+            <a:pPr indent="-317500" lvl="0" marL="457200" rtl="0" algn="l">
+              <a:lnSpc>
+                <a:spcPct val="115000"/>
+              </a:lnSpc>
+              <a:spcBef>
+                <a:spcPts val="0"/>
+              </a:spcBef>
+              <a:spcAft>
+                <a:spcPts val="0"/>
+              </a:spcAft>
+              <a:buSzPts val="1400"/>
+              <a:buChar char="●"/>
+            </a:pPr>
+            <a:r>
+              <a:rPr lang="en">
+                <a:solidFill>
+                  <a:schemeClr val="dk1"/>
+                </a:solidFill>
+              </a:rPr>
+              <a:t>Consider deployment constraint while developing a software</a:t>
             </a:r>
             <a:endParaRPr/>
           </a:p>
@@ -9072,153 +8908,6 @@
                       </p:childTnLst>
                     </p:cTn>
                   </p:par>
-                  <p:par>
-                    <p:cTn fill="hold">
-                      <p:stCondLst>
-                        <p:cond delay="indefinite"/>
-                      </p:stCondLst>
-                      <p:childTnLst>
-                        <p:par>
-                          <p:cTn fill="hold">
-                            <p:stCondLst>
-                              <p:cond delay="0"/>
-                            </p:stCondLst>
-                            <p:childTnLst>
-                              <p:par>
-                                <p:cTn fill="hold" nodeType="clickEffect" presetClass="entr" presetID="1" presetSubtype="0">
-                                  <p:stCondLst>
-                                    <p:cond delay="0"/>
-                                  </p:stCondLst>
-                                  <p:childTnLst>
-                                    <p:set>
-                                      <p:cBhvr>
-                                        <p:cTn dur="1" fill="hold">
-                                          <p:stCondLst>
-                                            <p:cond delay="0"/>
-                                          </p:stCondLst>
-                                        </p:cTn>
-                                        <p:tgtEl>
-                                          <p:spTgt spid="149">
-                                            <p:txEl>
-                                              <p:pRg end="9" st="9"/>
-                                            </p:txEl>
-                                          </p:spTgt>
-                                        </p:tgtEl>
-                                        <p:attrNameLst>
-                                          <p:attrName>style.visibility</p:attrName>
-                                        </p:attrNameLst>
-                                      </p:cBhvr>
-                                      <p:to>
-                                        <p:strVal val="visible"/>
-                                      </p:to>
-                                    </p:set>
-                                  </p:childTnLst>
-                                </p:cTn>
-                              </p:par>
-                            </p:childTnLst>
-                          </p:cTn>
-                        </p:par>
-                      </p:childTnLst>
-                    </p:cTn>
-                  </p:par>
-                  <p:par>
-                    <p:cTn fill="hold">
-                      <p:stCondLst>
-                        <p:cond delay="indefinite"/>
-                      </p:stCondLst>
-                      <p:childTnLst>
-                        <p:par>
-                          <p:cTn fill="hold">
-                            <p:stCondLst>
-                              <p:cond delay="0"/>
-                            </p:stCondLst>
-                            <p:childTnLst>
-                              <p:par>
-                                <p:cTn fill="hold" nodeType="clickEffect" presetClass="entr" presetID="1" presetSubtype="0">
-                                  <p:stCondLst>
-                                    <p:cond delay="0"/>
-                                  </p:stCondLst>
-                                  <p:childTnLst>
-                                    <p:set>
-                                      <p:cBhvr>
-                                        <p:cTn dur="1" fill="hold">
-                                          <p:stCondLst>
-                                            <p:cond delay="0"/>
-                                          </p:stCondLst>
-                                        </p:cTn>
-                                        <p:tgtEl>
-                                          <p:spTgt spid="149">
-                                            <p:txEl>
-                                              <p:pRg end="10" st="10"/>
-                                            </p:txEl>
-                                          </p:spTgt>
-                                        </p:tgtEl>
-                                        <p:attrNameLst>
-                                          <p:attrName>style.visibility</p:attrName>
-                                        </p:attrNameLst>
-                                      </p:cBhvr>
-                                      <p:to>
-                                        <p:strVal val="visible"/>
-                                      </p:to>
-                                    </p:set>
-                                  </p:childTnLst>
-                                </p:cTn>
-                              </p:par>
-                            </p:childTnLst>
-                          </p:cTn>
-                        </p:par>
-                      </p:childTnLst>
-                    </p:cTn>
-                  </p:par>
-                  <p:par>
-                    <p:cTn fill="hold">
-                      <p:stCondLst>
-                        <p:cond delay="indefinite"/>
-                      </p:stCondLst>
-                      <p:childTnLst>
-                        <p:par>
-                          <p:cTn fill="hold">
-                            <p:stCondLst>
-                              <p:cond delay="0"/>
-                            </p:stCondLst>
-                            <p:childTnLst>
-                              <p:par>
-                                <p:cTn fill="hold" nodeType="clickEffect" presetClass="entr" presetID="1" presetSubtype="0">
-                                  <p:stCondLst>
-                                    <p:cond delay="0"/>
-                                  </p:stCondLst>
-                                  <p:childTnLst>
-                                    <p:set>
-                                      <p:cBhvr>
-                                        <p:cTn dur="1" fill="hold">
-                                          <p:stCondLst>
-                                            <p:cond delay="0"/>
-                                          </p:stCondLst>
-                                        </p:cTn>
-                                        <p:tgtEl>
-                                          <p:spTgt spid="149">
-                                            <p:txEl>
-                                              <p:pRg end="11" st="11"/>
-                                            </p:txEl>
-                                          </p:spTgt>
-                                        </p:tgtEl>
-                                        <p:attrNameLst>
-                                          <p:attrName>style.visibility</p:attrName>
-                                        </p:attrNameLst>
-                                      </p:cBhvr>
-                                      <p:to>
-                                        <p:strVal val="visible"/>
-                                      </p:to>
-                                    </p:set>
-                                  </p:childTnLst>
-                                </p:cTn>
-                              </p:par>
-                            </p:childTnLst>
-                          </p:cTn>
-                        </p:par>
-                      </p:childTnLst>
-                    </p:cTn>
-                  </p:par>
                 </p:childTnLst>
               </p:cTn>
               <p:prevCondLst>
@@ -9303,14 +8992,6 @@
               <a:buNone/>
             </a:pPr>
             <a:r>
-              <a:rPr lang="en" sz="1100">
-                <a:solidFill>
-                  <a:schemeClr val="dk1"/>
-                </a:solidFill>
-              </a:rPr>
-              <a:t>Chair of </a:t>
-            </a:r>
-            <a:r>
               <a:rPr lang="en" sz="1050">
                 <a:solidFill>
                   <a:srgbClr val="333333"/>
@@ -9381,8 +9062,8 @@
         </p:nvSpPr>
         <p:spPr>
           <a:xfrm>
-            <a:off x="317525" y="286200"/>
-            <a:ext cx="7579500" cy="410400"/>
+            <a:off x="317550" y="2152500"/>
+            <a:ext cx="8508900" cy="838500"/>
           </a:xfrm>
           <a:prstGeom prst="rect">
             <a:avLst/>
@@ -9398,262 +9079,7 @@
           </a:bodyPr>
           <a:lstStyle/>
           <a:p>
-            <a:pPr indent="0" lvl="0" marL="0" marR="0" rtl="0" algn="l">
-              <a:lnSpc>
-                <a:spcPct val="128000"/>
-              </a:lnSpc>
-              <a:spcBef>
-                <a:spcPts val="0"/>
-              </a:spcBef>
-              <a:spcAft>
-                <a:spcPts val="0"/>
-              </a:spcAft>
-              <a:buNone/>
-            </a:pPr>
-            <a:r>
-              <a:rPr lang="en" sz="2500"/>
-              <a:t>History</a:t>
-            </a:r>
-            <a:endParaRPr sz="2500"/>
-          </a:p>
-        </p:txBody>
-      </p:sp>
-      <p:pic>
-        <p:nvPicPr>
-          <p:cNvPr id="157" name="Google Shape;157;p26"/>
-          <p:cNvPicPr preferRelativeResize="0"/>
-          <p:nvPr/>
-        </p:nvPicPr>
-        <p:blipFill>
-          <a:blip r:embed="rId3">
-            <a:alphaModFix/>
-          </a:blip>
-          <a:stretch>
-            <a:fillRect/>
-          </a:stretch>
-        </p:blipFill>
-        <p:spPr>
-          <a:xfrm>
-            <a:off x="271463" y="2176463"/>
-            <a:ext cx="8601075" cy="790575"/>
-          </a:xfrm>
-          <a:prstGeom prst="rect">
-            <a:avLst/>
-          </a:prstGeom>
-          <a:noFill/>
-          <a:ln>
-            <a:noFill/>
-          </a:ln>
-        </p:spPr>
-      </p:pic>
-    </p:spTree>
-  </p:cSld>
-  <p:clrMapOvr>
-    <a:masterClrMapping/>
-  </p:clrMapOvr>
-</p:sld>
-</file>
-
-<file path=ppt/slides/slide13.xml><?xml version="1.0" encoding="utf-8"?>
-<p:sld xmlns:a="http://schemas.openxmlformats.org/drawingml/2006/main" xmlns:r="http://schemas.openxmlformats.org/officeDocument/2006/relationships" xmlns:mc="http://schemas.openxmlformats.org/markup-compatibility/2006" xmlns:mv="urn:schemas-microsoft-com:mac:vml" xmlns:p="http://schemas.openxmlformats.org/presentationml/2006/main" xmlns:c="http://schemas.openxmlformats.org/drawingml/2006/chart" xmlns:dgm="http://schemas.openxmlformats.org/drawingml/2006/diagram" xmlns:o="urn:schemas-microsoft-com:office:office" xmlns:v="urn:schemas-microsoft-com:vml" xmlns:pvml="urn:schemas-microsoft-com:office:powerpoint" xmlns:com="http://schemas.openxmlformats.org/drawingml/2006/compatibility" xmlns:p14="http://schemas.microsoft.com/office/powerpoint/2010/main" xmlns:p15="http://schemas.microsoft.com/office/powerpoint/2012/main">
-  <p:cSld>
-    <p:bg>
-      <p:bgPr>
-        <a:solidFill>
-          <a:srgbClr val="FFFFFF"/>
-        </a:solidFill>
-      </p:bgPr>
-    </p:bg>
-    <p:spTree>
-      <p:nvGrpSpPr>
-        <p:cNvPr id="161" name="Shape 161"/>
-        <p:cNvGrpSpPr/>
-        <p:nvPr/>
-      </p:nvGrpSpPr>
-      <p:grpSpPr>
-        <a:xfrm>
-          <a:off x="0" y="0"/>
-          <a:ext cx="0" cy="0"/>
-          <a:chOff x="0" y="0"/>
-          <a:chExt cx="0" cy="0"/>
-        </a:xfrm>
-      </p:grpSpPr>
-      <p:sp>
-        <p:nvSpPr>
-          <p:cNvPr id="162" name="Google Shape;162;p27"/>
-          <p:cNvSpPr txBox="1"/>
-          <p:nvPr/>
-        </p:nvSpPr>
-        <p:spPr>
-          <a:xfrm>
-            <a:off x="317540" y="4834785"/>
-            <a:ext cx="6464100" cy="273900"/>
-          </a:xfrm>
-          <a:prstGeom prst="rect">
-            <a:avLst/>
-          </a:prstGeom>
-          <a:noFill/>
-          <a:ln>
-            <a:noFill/>
-          </a:ln>
-        </p:spPr>
-        <p:txBody>
-          <a:bodyPr anchorCtr="0" anchor="ctr" bIns="45700" lIns="0" spcFirstLastPara="1" rIns="0" wrap="square" tIns="45700">
-            <a:noAutofit/>
-          </a:bodyPr>
-          <a:lstStyle/>
-          <a:p>
-            <a:pPr indent="0" lvl="0" marL="0" rtl="0" algn="l">
-              <a:spcBef>
-                <a:spcPts val="0"/>
-              </a:spcBef>
-              <a:spcAft>
-                <a:spcPts val="0"/>
-              </a:spcAft>
-              <a:buNone/>
-            </a:pPr>
-            <a:r>
-              <a:rPr lang="en" sz="1100">
-                <a:solidFill>
-                  <a:schemeClr val="dk1"/>
-                </a:solidFill>
-              </a:rPr>
-              <a:t>Chair of </a:t>
-            </a:r>
-            <a:r>
-              <a:rPr lang="en" sz="1050">
-                <a:solidFill>
-                  <a:srgbClr val="333333"/>
-                </a:solidFill>
-                <a:highlight>
-                  <a:srgbClr val="FFFFFF"/>
-                </a:highlight>
-              </a:rPr>
-              <a:t>Embedded Systems and Internet of Things</a:t>
-            </a:r>
-            <a:r>
-              <a:rPr lang="en" sz="1100">
-                <a:solidFill>
-                  <a:schemeClr val="dk1"/>
-                </a:solidFill>
-              </a:rPr>
-              <a:t> | Muthuraman Chidambaram | IDP</a:t>
-            </a:r>
-            <a:endParaRPr sz="1100"/>
-          </a:p>
-        </p:txBody>
-      </p:sp>
-      <p:sp>
-        <p:nvSpPr>
-          <p:cNvPr id="163" name="Google Shape;163;p27"/>
-          <p:cNvSpPr txBox="1"/>
-          <p:nvPr>
-            <p:ph idx="12" type="sldNum"/>
-          </p:nvPr>
-        </p:nvSpPr>
-        <p:spPr>
-          <a:xfrm>
-            <a:off x="8556784" y="4749851"/>
-            <a:ext cx="548700" cy="393600"/>
-          </a:xfrm>
-          <a:prstGeom prst="rect">
-            <a:avLst/>
-          </a:prstGeom>
-        </p:spPr>
-        <p:txBody>
-          <a:bodyPr anchorCtr="0" anchor="t" bIns="91425" lIns="91425" spcFirstLastPara="1" rIns="91425" wrap="square" tIns="91425">
-            <a:noAutofit/>
-          </a:bodyPr>
-          <a:lstStyle/>
-          <a:p>
-            <a:pPr indent="0" lvl="0" marL="0" rtl="0" algn="r">
-              <a:spcBef>
-                <a:spcPts val="0"/>
-              </a:spcBef>
-              <a:spcAft>
-                <a:spcPts val="0"/>
-              </a:spcAft>
-              <a:buNone/>
-            </a:pPr>
-            <a:fld id="{00000000-1234-1234-1234-123412341234}" type="slidenum">
-              <a:rPr lang="en"/>
-              <a:t>‹#›</a:t>
-            </a:fld>
-            <a:endParaRPr/>
-          </a:p>
-        </p:txBody>
-      </p:sp>
-      <p:sp>
-        <p:nvSpPr>
-          <p:cNvPr id="164" name="Google Shape;164;p27"/>
-          <p:cNvSpPr txBox="1"/>
-          <p:nvPr/>
-        </p:nvSpPr>
-        <p:spPr>
-          <a:xfrm>
-            <a:off x="317525" y="286200"/>
-            <a:ext cx="7579500" cy="410400"/>
-          </a:xfrm>
-          <a:prstGeom prst="rect">
-            <a:avLst/>
-          </a:prstGeom>
-          <a:noFill/>
-          <a:ln>
-            <a:noFill/>
-          </a:ln>
-        </p:spPr>
-        <p:txBody>
-          <a:bodyPr anchorCtr="0" anchor="t" bIns="0" lIns="0" spcFirstLastPara="1" rIns="0" wrap="square" tIns="0">
-            <a:noAutofit/>
-          </a:bodyPr>
-          <a:lstStyle/>
-          <a:p>
-            <a:pPr indent="0" lvl="0" marL="0" marR="0" rtl="0" algn="l">
-              <a:lnSpc>
-                <a:spcPct val="128000"/>
-              </a:lnSpc>
-              <a:spcBef>
-                <a:spcPts val="0"/>
-              </a:spcBef>
-              <a:spcAft>
-                <a:spcPts val="0"/>
-              </a:spcAft>
-              <a:buNone/>
-            </a:pPr>
-            <a:r>
-              <a:rPr lang="en" sz="2500"/>
-              <a:t>Thanks</a:t>
-            </a:r>
-            <a:endParaRPr sz="2500"/>
-          </a:p>
-        </p:txBody>
-      </p:sp>
-      <p:sp>
-        <p:nvSpPr>
-          <p:cNvPr id="165" name="Google Shape;165;p27"/>
-          <p:cNvSpPr txBox="1"/>
-          <p:nvPr/>
-        </p:nvSpPr>
-        <p:spPr>
-          <a:xfrm>
-            <a:off x="317550" y="2004425"/>
-            <a:ext cx="8508900" cy="3507600"/>
-          </a:xfrm>
-          <a:prstGeom prst="rect">
-            <a:avLst/>
-          </a:prstGeom>
-          <a:noFill/>
-          <a:ln>
-            <a:noFill/>
-          </a:ln>
-        </p:spPr>
-        <p:txBody>
-          <a:bodyPr anchorCtr="0" anchor="t" bIns="0" lIns="0" spcFirstLastPara="1" rIns="0" wrap="square" tIns="0">
-            <a:noAutofit/>
-          </a:bodyPr>
-          <a:lstStyle/>
-          <a:p>
-            <a:pPr indent="-317500" lvl="0" marL="457200" rtl="0" algn="l">
+            <a:pPr indent="0" lvl="0" marL="0" rtl="0" algn="ctr">
               <a:lnSpc>
                 <a:spcPct val="115000"/>
               </a:lnSpc>
@@ -9663,58 +9089,13 @@
               <a:spcAft>
                 <a:spcPts val="0"/>
               </a:spcAft>
-              <a:buSzPts val="1400"/>
-              <a:buChar char="●"/>
+              <a:buNone/>
             </a:pPr>
             <a:r>
-              <a:rPr lang="en"/>
-              <a:t>Thanks to Prof. S</a:t>
+              <a:rPr lang="en" sz="4800"/>
+              <a:t>Thank you !!!</a:t>
             </a:r>
-            <a:r>
-              <a:rPr lang="en"/>
-              <a:t>ebastian Steinhorst, for allowing me to work with the chair.</a:t>
-            </a:r>
-            <a:endParaRPr/>
-          </a:p>
-          <a:p>
-            <a:pPr indent="-317500" lvl="0" marL="457200" rtl="0" algn="l">
-              <a:lnSpc>
-                <a:spcPct val="115000"/>
-              </a:lnSpc>
-              <a:spcBef>
-                <a:spcPts val="0"/>
-              </a:spcBef>
-              <a:spcAft>
-                <a:spcPts val="0"/>
-              </a:spcAft>
-              <a:buSzPts val="1400"/>
-              <a:buChar char="●"/>
-            </a:pPr>
-            <a:r>
-              <a:rPr lang="en"/>
-              <a:t>Thanks to Ege Korkan, for his continuous and tireless support.</a:t>
-            </a:r>
-            <a:endParaRPr/>
-          </a:p>
-          <a:p>
-            <a:pPr indent="-317500" lvl="0" marL="457200" rtl="0" algn="l">
-              <a:lnSpc>
-                <a:spcPct val="115000"/>
-              </a:lnSpc>
-              <a:spcBef>
-                <a:spcPts val="0"/>
-              </a:spcBef>
-              <a:spcAft>
-                <a:spcPts val="0"/>
-              </a:spcAft>
-              <a:buSzPts val="1400"/>
-              <a:buChar char="●"/>
-            </a:pPr>
-            <a:r>
-              <a:rPr lang="en"/>
-              <a:t>Thanks to the Team, for helping and sharing their time and knowledge whenever I’m at their desk.</a:t>
-            </a:r>
-            <a:endParaRPr/>
+            <a:endParaRPr sz="4800"/>
           </a:p>
         </p:txBody>
       </p:sp>
@@ -9757,107 +9138,9 @@
                                           </p:stCondLst>
                                         </p:cTn>
                                         <p:tgtEl>
-                                          <p:spTgt spid="165">
+                                          <p:spTgt spid="156">
                                             <p:txEl>
                                               <p:pRg end="0" st="0"/>
-                                            </p:txEl>
-                                          </p:spTgt>
-                                        </p:tgtEl>
-                                        <p:attrNameLst>
-                                          <p:attrName>style.visibility</p:attrName>
-                                        </p:attrNameLst>
-                                      </p:cBhvr>
-                                      <p:to>
-                                        <p:strVal val="visible"/>
-                                      </p:to>
-                                    </p:set>
-                                  </p:childTnLst>
-                                </p:cTn>
-                              </p:par>
-                            </p:childTnLst>
-                          </p:cTn>
-                        </p:par>
-                      </p:childTnLst>
-                    </p:cTn>
-                  </p:par>
-                  <p:par>
-                    <p:cTn fill="hold">
-                      <p:stCondLst>
-                        <p:cond delay="indefinite"/>
-                      </p:stCondLst>
-                      <p:childTnLst>
-                        <p:par>
-                          <p:cTn fill="hold">
-                            <p:stCondLst>
-                              <p:cond delay="0"/>
-                            </p:stCondLst>
-                            <p:childTnLst>
-                              <p:par>
-                                <p:cTn fill="hold" nodeType="clickEffect" presetClass="entr" presetID="1" presetSubtype="0">
-                                  <p:stCondLst>
-                                    <p:cond delay="0"/>
-                                  </p:stCondLst>
-                                  <p:childTnLst>
-                                    <p:set>
-                                      <p:cBhvr>
-                                        <p:cTn dur="1" fill="hold">
-                                          <p:stCondLst>
-                                            <p:cond delay="0"/>
-                                          </p:stCondLst>
-                                        </p:cTn>
-                                        <p:tgtEl>
-                                          <p:spTgt spid="165">
-                                            <p:txEl>
-                                              <p:pRg end="1" st="1"/>
-                                            </p:txEl>
-                                          </p:spTgt>
-                                        </p:tgtEl>
-                                        <p:attrNameLst>
-                                          <p:attrName>style.visibility</p:attrName>
-                                        </p:attrNameLst>
-                                      </p:cBhvr>
-                                      <p:to>
-                                        <p:strVal val="visible"/>
-                                      </p:to>
-                                    </p:set>
-                                  </p:childTnLst>
-                                </p:cTn>
-                              </p:par>
-                            </p:childTnLst>
-                          </p:cTn>
-                        </p:par>
-                      </p:childTnLst>
-                    </p:cTn>
-                  </p:par>
-                  <p:par>
-                    <p:cTn fill="hold">
-                      <p:stCondLst>
-                        <p:cond delay="indefinite"/>
-                      </p:stCondLst>
-                      <p:childTnLst>
-                        <p:par>
-                          <p:cTn fill="hold">
-                            <p:stCondLst>
-                              <p:cond delay="0"/>
-                            </p:stCondLst>
-                            <p:childTnLst>
-                              <p:par>
-                                <p:cTn fill="hold" nodeType="clickEffect" presetClass="entr" presetID="1" presetSubtype="0">
-                                  <p:stCondLst>
-                                    <p:cond delay="0"/>
-                                  </p:stCondLst>
-                                  <p:childTnLst>
-                                    <p:set>
-                                      <p:cBhvr>
-                                        <p:cTn dur="1" fill="hold">
-                                          <p:stCondLst>
-                                            <p:cond delay="0"/>
-                                          </p:stCondLst>
-                                        </p:cTn>
-                                        <p:tgtEl>
-                                          <p:spTgt spid="165">
-                                            <p:txEl>
-                                              <p:pRg end="2" st="2"/>
                                             </p:txEl>
                                           </p:spTgt>
                                         </p:tgtEl>
@@ -10219,7 +9502,12 @@
               <a:buNone/>
             </a:pPr>
             <a:r>
-              <a:t/>
+              <a:rPr lang="en">
+                <a:solidFill>
+                  <a:schemeClr val="dk1"/>
+                </a:solidFill>
+              </a:rPr>
+              <a:t>Muthuraman Chidambaram</a:t>
             </a:r>
             <a:endParaRPr>
               <a:solidFill>
@@ -10251,9 +9539,109 @@
                   <a:schemeClr val="dk1"/>
                 </a:solidFill>
               </a:rPr>
-              <a:t>Muthuraman Chidambaram</a:t>
+              <a:t>Supervisor:</a:t>
             </a:r>
-            <a:endParaRPr/>
+            <a:endParaRPr>
+              <a:solidFill>
+                <a:schemeClr val="dk1"/>
+              </a:solidFill>
+            </a:endParaRPr>
+          </a:p>
+          <a:p>
+            <a:pPr indent="0" lvl="0" marL="0" rtl="0" algn="l">
+              <a:lnSpc>
+                <a:spcPct val="115000"/>
+              </a:lnSpc>
+              <a:spcBef>
+                <a:spcPts val="0"/>
+              </a:spcBef>
+              <a:spcAft>
+                <a:spcPts val="0"/>
+              </a:spcAft>
+              <a:buClr>
+                <a:schemeClr val="dk1"/>
+              </a:buClr>
+              <a:buSzPts val="1100"/>
+              <a:buFont typeface="Arial"/>
+              <a:buNone/>
+            </a:pPr>
+            <a:r>
+              <a:rPr lang="en">
+                <a:solidFill>
+                  <a:schemeClr val="dk1"/>
+                </a:solidFill>
+              </a:rPr>
+              <a:t>Ege Korkan</a:t>
+            </a:r>
+            <a:endParaRPr>
+              <a:solidFill>
+                <a:schemeClr val="dk1"/>
+              </a:solidFill>
+            </a:endParaRPr>
+          </a:p>
+          <a:p>
+            <a:pPr indent="0" lvl="0" marL="0" rtl="0" algn="l">
+              <a:lnSpc>
+                <a:spcPct val="115000"/>
+              </a:lnSpc>
+              <a:spcBef>
+                <a:spcPts val="0"/>
+              </a:spcBef>
+              <a:spcAft>
+                <a:spcPts val="0"/>
+              </a:spcAft>
+              <a:buClr>
+                <a:schemeClr val="dk1"/>
+              </a:buClr>
+              <a:buSzPts val="1100"/>
+              <a:buFont typeface="Arial"/>
+              <a:buNone/>
+            </a:pPr>
+            <a:r>
+              <a:rPr lang="en">
+                <a:solidFill>
+                  <a:schemeClr val="dk1"/>
+                </a:solidFill>
+              </a:rPr>
+              <a:t>Advisor:</a:t>
+            </a:r>
+            <a:endParaRPr>
+              <a:solidFill>
+                <a:schemeClr val="dk1"/>
+              </a:solidFill>
+            </a:endParaRPr>
+          </a:p>
+          <a:p>
+            <a:pPr indent="0" lvl="0" marL="0" rtl="0" algn="l">
+              <a:lnSpc>
+                <a:spcPct val="115000"/>
+              </a:lnSpc>
+              <a:spcBef>
+                <a:spcPts val="0"/>
+              </a:spcBef>
+              <a:spcAft>
+                <a:spcPts val="0"/>
+              </a:spcAft>
+              <a:buClr>
+                <a:schemeClr val="dk1"/>
+              </a:buClr>
+              <a:buSzPts val="1100"/>
+              <a:buFont typeface="Arial"/>
+              <a:buNone/>
+            </a:pPr>
+            <a:r>
+              <a:rPr lang="en">
+                <a:solidFill>
+                  <a:schemeClr val="dk1"/>
+                </a:solidFill>
+              </a:rPr>
+              <a:t>Sebastian Steinhorst</a:t>
+            </a:r>
+            <a:endParaRPr>
+              <a:solidFill>
+                <a:schemeClr val="dk1"/>
+              </a:solidFill>
+            </a:endParaRPr>
           </a:p>
         </p:txBody>
       </p:sp>
@@ -10294,10 +9682,6 @@
               </a:spcAft>
               <a:buNone/>
             </a:pPr>
-            <a:r>
-              <a:rPr lang="en" sz="1100"/>
-              <a:t>Chair of </a:t>
-            </a:r>
             <a:r>
               <a:rPr lang="en" sz="1050">
                 <a:solidFill>
@@ -10702,14 +10086,6 @@
               <a:buNone/>
             </a:pPr>
             <a:r>
-              <a:rPr lang="en" sz="1100">
-                <a:solidFill>
-                  <a:schemeClr val="dk1"/>
-                </a:solidFill>
-              </a:rPr>
-              <a:t>Chair of </a:t>
-            </a:r>
-            <a:r>
               <a:rPr lang="en" sz="1050">
                 <a:solidFill>
                   <a:srgbClr val="333333"/>
@@ -10838,14 +10214,6 @@
               </a:spcAft>
               <a:buNone/>
             </a:pPr>
-            <a:r>
-              <a:rPr lang="en" sz="1100">
-                <a:solidFill>
-                  <a:schemeClr val="dk1"/>
-                </a:solidFill>
-              </a:rPr>
-              <a:t>Chair of </a:t>
-            </a:r>
             <a:r>
               <a:rPr lang="en" sz="1050">
                 <a:solidFill>
@@ -11048,14 +10416,6 @@
               </a:spcAft>
               <a:buNone/>
             </a:pPr>
-            <a:r>
-              <a:rPr lang="en" sz="1100">
-                <a:solidFill>
-                  <a:schemeClr val="dk1"/>
-                </a:solidFill>
-              </a:rPr>
-              <a:t>Chair of </a:t>
-            </a:r>
             <a:r>
               <a:rPr lang="en" sz="1050">
                 <a:solidFill>
@@ -11263,14 +10623,6 @@
               <a:buNone/>
             </a:pPr>
             <a:r>
-              <a:rPr lang="en" sz="1100">
-                <a:solidFill>
-                  <a:schemeClr val="dk1"/>
-                </a:solidFill>
-              </a:rPr>
-              <a:t>Chair of </a:t>
-            </a:r>
-            <a:r>
               <a:rPr lang="en" sz="1050">
                 <a:solidFill>
                   <a:srgbClr val="333333"/>
@@ -11473,14 +10825,6 @@
               <a:buNone/>
             </a:pPr>
             <a:r>
-              <a:rPr lang="en" sz="1100">
-                <a:solidFill>
-                  <a:schemeClr val="dk1"/>
-                </a:solidFill>
-              </a:rPr>
-              <a:t>Chair of </a:t>
-            </a:r>
-            <a:r>
               <a:rPr lang="en" sz="1050">
                 <a:solidFill>
                   <a:srgbClr val="333333"/>
@@ -11683,14 +11027,6 @@
               <a:buNone/>
             </a:pPr>
             <a:r>
-              <a:rPr lang="en" sz="1100">
-                <a:solidFill>
-                  <a:schemeClr val="dk1"/>
-                </a:solidFill>
-              </a:rPr>
-              <a:t>Chair of </a:t>
-            </a:r>
-            <a:r>
               <a:rPr lang="en" sz="1050">
                 <a:solidFill>
                   <a:srgbClr val="333333"/>
@@ -11893,14 +11229,6 @@
               <a:buNone/>
             </a:pPr>
             <a:r>
-              <a:rPr lang="en" sz="1100">
-                <a:solidFill>
-                  <a:schemeClr val="dk1"/>
-                </a:solidFill>
-              </a:rPr>
-              <a:t>Chair of </a:t>
-            </a:r>
-            <a:r>
               <a:rPr lang="en" sz="1050">
                 <a:solidFill>
                   <a:srgbClr val="333333"/>
@@ -12017,7 +11345,7 @@
         <p:spPr>
           <a:xfrm>
             <a:off x="317550" y="1541125"/>
-            <a:ext cx="8508900" cy="3507600"/>
+            <a:ext cx="8508900" cy="2583000"/>
           </a:xfrm>
           <a:prstGeom prst="rect">
             <a:avLst/>
@@ -12068,7 +11396,7 @@
             </a:pPr>
             <a:r>
               <a:rPr lang="en"/>
-              <a:t>In this paper we introduce WoT-CI, a method that uses the principles of Continuous Integration (CI) in the context of WoT, by considering the WoT devices as contributors and WoT system as a single software project. </a:t>
+              <a:t>WoT-CI - a method that uses the principles of Continuous Integration (CI) in the context of WoT, by considering the WoT devices as contributors and WoT system as a single software project. </a:t>
             </a:r>
             <a:endParaRPr/>
           </a:p>
@@ -12088,7 +11416,47 @@
             </a:pPr>
             <a:r>
               <a:rPr lang="en"/>
-              <a:t>We show that this system can reduce system integration effort while requiring no manual input from the developer, thereby, assuring that the WoT devices are functioning as per the requirement after any change to the hardware, software or network.</a:t>
+              <a:t>This system can reduce system integration effort while requiring </a:t>
+            </a:r>
+            <a:endParaRPr/>
+          </a:p>
+          <a:p>
+            <a:pPr indent="-317500" lvl="1" marL="914400" rtl="0" algn="l">
+              <a:lnSpc>
+                <a:spcPct val="115000"/>
+              </a:lnSpc>
+              <a:spcBef>
+                <a:spcPts val="0"/>
+              </a:spcBef>
+              <a:spcAft>
+                <a:spcPts val="0"/>
+              </a:spcAft>
+              <a:buSzPts val="1400"/>
+              <a:buChar char="○"/>
+            </a:pPr>
+            <a:r>
+              <a:rPr lang="en"/>
+              <a:t>no manual input from the developer</a:t>
+            </a:r>
+            <a:endParaRPr/>
+          </a:p>
+          <a:p>
+            <a:pPr indent="-317500" lvl="1" marL="914400" rtl="0" algn="l">
+              <a:lnSpc>
+                <a:spcPct val="115000"/>
+              </a:lnSpc>
+              <a:spcBef>
+                <a:spcPts val="0"/>
+              </a:spcBef>
+              <a:spcAft>
+                <a:spcPts val="0"/>
+              </a:spcAft>
+              <a:buSzPts val="1400"/>
+              <a:buChar char="○"/>
+            </a:pPr>
+            <a:r>
+              <a:rPr lang="en"/>
+              <a:t>Also makes sure that the WoT devices are functioning as per the requirement after any change to the hardware, software or network.</a:t>
             </a:r>
             <a:endParaRPr/>
           </a:p>
@@ -12234,6 +11602,104 @@
                                           <p:spTgt spid="134">
                                             <p:txEl>
                                               <p:pRg end="2" st="2"/>
+                                            </p:txEl>
+                                          </p:spTgt>
+                                        </p:tgtEl>
+                                        <p:attrNameLst>
+                                          <p:attrName>style.visibility</p:attrName>
+                                        </p:attrNameLst>
+                                      </p:cBhvr>
+                                      <p:to>
+                                        <p:strVal val="visible"/>
+                                      </p:to>
+                                    </p:set>
+                                  </p:childTnLst>
+                                </p:cTn>
+                              </p:par>
+                            </p:childTnLst>
+                          </p:cTn>
+                        </p:par>
+                      </p:childTnLst>
+                    </p:cTn>
+                  </p:par>
+                  <p:par>
+                    <p:cTn fill="hold">
+                      <p:stCondLst>
+                        <p:cond delay="indefinite"/>
+                      </p:stCondLst>
+                      <p:childTnLst>
+                        <p:par>
+                          <p:cTn fill="hold">
+                            <p:stCondLst>
+                              <p:cond delay="0"/>
+                            </p:stCondLst>
+                            <p:childTnLst>
+                              <p:par>
+                                <p:cTn fill="hold" nodeType="clickEffect" presetClass="entr" presetID="1" presetSubtype="0">
+                                  <p:stCondLst>
+                                    <p:cond delay="0"/>
+                                  </p:stCondLst>
+                                  <p:childTnLst>
+                                    <p:set>
+                                      <p:cBhvr>
+                                        <p:cTn dur="1" fill="hold">
+                                          <p:stCondLst>
+                                            <p:cond delay="0"/>
+                                          </p:stCondLst>
+                                        </p:cTn>
+                                        <p:tgtEl>
+                                          <p:spTgt spid="134">
+                                            <p:txEl>
+                                              <p:pRg end="3" st="3"/>
+                                            </p:txEl>
+                                          </p:spTgt>
+                                        </p:tgtEl>
+                                        <p:attrNameLst>
+                                          <p:attrName>style.visibility</p:attrName>
+                                        </p:attrNameLst>
+                                      </p:cBhvr>
+                                      <p:to>
+                                        <p:strVal val="visible"/>
+                                      </p:to>
+                                    </p:set>
+                                  </p:childTnLst>
+                                </p:cTn>
+                              </p:par>
+                            </p:childTnLst>
+                          </p:cTn>
+                        </p:par>
+                      </p:childTnLst>
+                    </p:cTn>
+                  </p:par>
+                  <p:par>
+                    <p:cTn fill="hold">
+                      <p:stCondLst>
+                        <p:cond delay="indefinite"/>
+                      </p:stCondLst>
+                      <p:childTnLst>
+                        <p:par>
+                          <p:cTn fill="hold">
+                            <p:stCondLst>
+                              <p:cond delay="0"/>
+                            </p:stCondLst>
+                            <p:childTnLst>
+                              <p:par>
+                                <p:cTn fill="hold" nodeType="clickEffect" presetClass="entr" presetID="1" presetSubtype="0">
+                                  <p:stCondLst>
+                                    <p:cond delay="0"/>
+                                  </p:stCondLst>
+                                  <p:childTnLst>
+                                    <p:set>
+                                      <p:cBhvr>
+                                        <p:cTn dur="1" fill="hold">
+                                          <p:stCondLst>
+                                            <p:cond delay="0"/>
+                                          </p:stCondLst>
+                                        </p:cTn>
+                                        <p:tgtEl>
+                                          <p:spTgt spid="134">
+                                            <p:txEl>
+                                              <p:pRg end="4" st="4"/>
                                             </p:txEl>
                                           </p:spTgt>
                                         </p:tgtEl>

--- a/slides/IDP_WoT-CI.pptx
+++ b/slides/IDP_WoT-CI.pptx
@@ -10338,8 +10338,8 @@
         </p:blipFill>
         <p:spPr>
           <a:xfrm>
-            <a:off x="1091525" y="779475"/>
-            <a:ext cx="6509975" cy="3970375"/>
+            <a:off x="2039113" y="767900"/>
+            <a:ext cx="5065777" cy="3833386"/>
           </a:xfrm>
           <a:prstGeom prst="rect">
             <a:avLst/>
@@ -10544,8 +10544,8 @@
         </p:blipFill>
         <p:spPr>
           <a:xfrm>
-            <a:off x="2064563" y="731200"/>
-            <a:ext cx="5014863" cy="3833385"/>
+            <a:off x="2023925" y="849000"/>
+            <a:ext cx="5096148" cy="3833386"/>
           </a:xfrm>
           <a:prstGeom prst="rect">
             <a:avLst/>

--- a/slides/IDP_WoT-CI.pptx
+++ b/slides/IDP_WoT-CI.pptx
@@ -9956,26 +9956,6 @@
             <a:r>
               <a:rPr lang="en"/>
               <a:t>Learnings</a:t>
-            </a:r>
-            <a:endParaRPr/>
-          </a:p>
-          <a:p>
-            <a:pPr indent="-317500" lvl="0" marL="457200" marR="0" rtl="0" algn="l">
-              <a:lnSpc>
-                <a:spcPct val="150000"/>
-              </a:lnSpc>
-              <a:spcBef>
-                <a:spcPts val="0"/>
-              </a:spcBef>
-              <a:spcAft>
-                <a:spcPts val="0"/>
-              </a:spcAft>
-              <a:buSzPts val="1400"/>
-              <a:buChar char="●"/>
-            </a:pPr>
-            <a:r>
-              <a:rPr lang="en"/>
-              <a:t>History</a:t>
             </a:r>
             <a:endParaRPr/>
           </a:p>
